--- a/materials/slides/5.4.pptx
+++ b/materials/slides/5.4.pptx
@@ -161,7 +161,7 @@
   </p:defaultTextStyle>
   <p:extLst>
     <p:ext uri="{EFAFB233-063F-42B5-8137-9DF3F51BA10A}">
-      <p15:sldGuideLst xmlns:p15="http://schemas.microsoft.com/office/powerpoint/2012/main">
+      <p15:sldGuideLst xmlns="" xmlns:p15="http://schemas.microsoft.com/office/powerpoint/2012/main">
         <p15:guide id="1" orient="horz" pos="2160" userDrawn="1">
           <p15:clr>
             <a:srgbClr val="A4A3A4"/>
@@ -175,7 +175,7 @@
       </p15:sldGuideLst>
     </p:ext>
     <p:ext uri="{2D200454-40CA-4A62-9FC3-DE9A4176ACB9}">
-      <p15:notesGuideLst xmlns:p15="http://schemas.microsoft.com/office/powerpoint/2012/main">
+      <p15:notesGuideLst xmlns="" xmlns:p15="http://schemas.microsoft.com/office/powerpoint/2012/main">
         <p15:guide id="1" orient="horz" pos="2880">
           <p15:clr>
             <a:srgbClr val="A4A3A4"/>
@@ -5096,8 +5096,8 @@
         </p:blipFill>
         <p:spPr>
           <a:xfrm>
-            <a:off x="551385" y="866868"/>
-            <a:ext cx="10153128" cy="2008022"/>
+            <a:off x="2567607" y="980728"/>
+            <a:ext cx="8136905" cy="1894162"/>
           </a:xfrm>
           <a:prstGeom prst="rect">
             <a:avLst/>
@@ -5113,13 +5113,13 @@
           <p:nvPr>
             <p:extLst>
               <p:ext uri="{D42A27DB-BD31-4B8C-83A1-F6EECF244321}">
-                <p14:modId xmlns:p14="http://schemas.microsoft.com/office/powerpoint/2010/main" val="28485109"/>
+                <p14:modId xmlns:p14="http://schemas.microsoft.com/office/powerpoint/2010/main" val="2013360138"/>
               </p:ext>
             </p:extLst>
           </p:nvPr>
         </p:nvGraphicFramePr>
         <p:xfrm>
-          <a:off x="1487488" y="2636912"/>
+          <a:off x="911247" y="2870765"/>
           <a:ext cx="10009111" cy="3840480"/>
         </p:xfrm>
         <a:graphic>
@@ -7032,10 +7032,15 @@
             <p:ph idx="1"/>
           </p:nvPr>
         </p:nvSpPr>
-        <p:spPr/>
+        <p:spPr>
+          <a:xfrm>
+            <a:off x="695400" y="1196752"/>
+            <a:ext cx="11305256" cy="5184576"/>
+          </a:xfrm>
+        </p:spPr>
         <p:txBody>
           <a:bodyPr>
-            <a:normAutofit fontScale="85000" lnSpcReduction="20000"/>
+            <a:normAutofit fontScale="77500" lnSpcReduction="20000"/>
           </a:bodyPr>
           <a:lstStyle/>
           <a:p>
@@ -7170,6 +7175,78 @@
               </a:rPr>
               <a:t>误差累积</a:t>
             </a:r>
+            <a:endParaRPr lang="en-US" altLang="zh-CN" dirty="0" smtClean="0">
+              <a:solidFill>
+                <a:srgbClr val="FF0000"/>
+              </a:solidFill>
+            </a:endParaRPr>
+          </a:p>
+          <a:p>
+            <a:pPr lvl="1"/>
+            <a:r>
+              <a:rPr lang="zh-CN" altLang="en-US" dirty="0"/>
+              <a:t>多次循环是否对</a:t>
+            </a:r>
+            <a:r>
+              <a:rPr lang="zh-CN" altLang="en-US" dirty="0">
+                <a:solidFill>
+                  <a:srgbClr val="FF0000"/>
+                </a:solidFill>
+              </a:rPr>
+              <a:t>内存造成压力</a:t>
+            </a:r>
+            <a:endParaRPr lang="en-US" altLang="zh-CN" dirty="0">
+              <a:solidFill>
+                <a:srgbClr val="FF0000"/>
+              </a:solidFill>
+            </a:endParaRPr>
+          </a:p>
+          <a:p>
+            <a:pPr lvl="1"/>
+            <a:r>
+              <a:rPr lang="zh-CN" altLang="en-US" dirty="0"/>
+              <a:t>是否存在</a:t>
+            </a:r>
+            <a:r>
+              <a:rPr lang="en-US" altLang="zh-CN" dirty="0">
+                <a:latin typeface="Times New Roman" panose="02020603050405020304" pitchFamily="18" charset="0"/>
+                <a:cs typeface="Times New Roman" panose="02020603050405020304" pitchFamily="18" charset="0"/>
+              </a:rPr>
+              <a:t>continue</a:t>
+            </a:r>
+            <a:r>
+              <a:rPr lang="zh-CN" altLang="en-US" dirty="0">
+                <a:latin typeface="Times New Roman" panose="02020603050405020304" pitchFamily="18" charset="0"/>
+                <a:cs typeface="Times New Roman" panose="02020603050405020304" pitchFamily="18" charset="0"/>
+              </a:rPr>
+              <a:t>，</a:t>
+            </a:r>
+            <a:r>
+              <a:rPr lang="en-US" altLang="zh-CN" dirty="0">
+                <a:latin typeface="Times New Roman" panose="02020603050405020304" pitchFamily="18" charset="0"/>
+                <a:cs typeface="Times New Roman" panose="02020603050405020304" pitchFamily="18" charset="0"/>
+              </a:rPr>
+              <a:t>break</a:t>
+            </a:r>
+            <a:r>
+              <a:rPr lang="zh-CN" altLang="en-US" dirty="0"/>
+              <a:t>语句，导致某些</a:t>
+            </a:r>
+            <a:r>
+              <a:rPr lang="zh-CN" altLang="en-US" dirty="0">
+                <a:solidFill>
+                  <a:srgbClr val="FF0000"/>
+                </a:solidFill>
+              </a:rPr>
+              <a:t>循环过程中强制跳过部分语句不执行</a:t>
+            </a:r>
+            <a:r>
+              <a:rPr lang="zh-CN" altLang="en-US" dirty="0"/>
+              <a:t>，从而注入代码质量风险</a:t>
+            </a:r>
+          </a:p>
+          <a:p>
+            <a:pPr lvl="1"/>
             <a:endParaRPr lang="en-US" altLang="zh-CN" dirty="0" smtClean="0">
               <a:solidFill>
                 <a:srgbClr val="FF0000"/>
@@ -7817,6 +7894,212 @@
                       </p:childTnLst>
                     </p:cTn>
                   </p:par>
+                  <p:par>
+                    <p:cTn id="39" fill="hold">
+                      <p:stCondLst>
+                        <p:cond delay="indefinite"/>
+                      </p:stCondLst>
+                      <p:childTnLst>
+                        <p:par>
+                          <p:cTn id="40" fill="hold">
+                            <p:stCondLst>
+                              <p:cond delay="0"/>
+                            </p:stCondLst>
+                            <p:childTnLst>
+                              <p:par>
+                                <p:cTn id="41" presetID="2" presetClass="entr" presetSubtype="4" fill="hold" nodeType="clickEffect">
+                                  <p:stCondLst>
+                                    <p:cond delay="0"/>
+                                  </p:stCondLst>
+                                  <p:childTnLst>
+                                    <p:set>
+                                      <p:cBhvr>
+                                        <p:cTn id="42" dur="1" fill="hold">
+                                          <p:stCondLst>
+                                            <p:cond delay="0"/>
+                                          </p:stCondLst>
+                                        </p:cTn>
+                                        <p:tgtEl>
+                                          <p:spTgt spid="2">
+                                            <p:txEl>
+                                              <p:pRg st="7" end="7"/>
+                                            </p:txEl>
+                                          </p:spTgt>
+                                        </p:tgtEl>
+                                        <p:attrNameLst>
+                                          <p:attrName>style.visibility</p:attrName>
+                                        </p:attrNameLst>
+                                      </p:cBhvr>
+                                      <p:to>
+                                        <p:strVal val="visible"/>
+                                      </p:to>
+                                    </p:set>
+                                    <p:anim calcmode="lin" valueType="num">
+                                      <p:cBhvr additive="base">
+                                        <p:cTn id="43" dur="500" fill="hold"/>
+                                        <p:tgtEl>
+                                          <p:spTgt spid="2">
+                                            <p:txEl>
+                                              <p:pRg st="7" end="7"/>
+                                            </p:txEl>
+                                          </p:spTgt>
+                                        </p:tgtEl>
+                                        <p:attrNameLst>
+                                          <p:attrName>ppt_x</p:attrName>
+                                        </p:attrNameLst>
+                                      </p:cBhvr>
+                                      <p:tavLst>
+                                        <p:tav tm="0">
+                                          <p:val>
+                                            <p:strVal val="#ppt_x"/>
+                                          </p:val>
+                                        </p:tav>
+                                        <p:tav tm="100000">
+                                          <p:val>
+                                            <p:strVal val="#ppt_x"/>
+                                          </p:val>
+                                        </p:tav>
+                                      </p:tavLst>
+                                    </p:anim>
+                                    <p:anim calcmode="lin" valueType="num">
+                                      <p:cBhvr additive="base">
+                                        <p:cTn id="44" dur="500" fill="hold"/>
+                                        <p:tgtEl>
+                                          <p:spTgt spid="2">
+                                            <p:txEl>
+                                              <p:pRg st="7" end="7"/>
+                                            </p:txEl>
+                                          </p:spTgt>
+                                        </p:tgtEl>
+                                        <p:attrNameLst>
+                                          <p:attrName>ppt_y</p:attrName>
+                                        </p:attrNameLst>
+                                      </p:cBhvr>
+                                      <p:tavLst>
+                                        <p:tav tm="0">
+                                          <p:val>
+                                            <p:strVal val="1+#ppt_h/2"/>
+                                          </p:val>
+                                        </p:tav>
+                                        <p:tav tm="100000">
+                                          <p:val>
+                                            <p:strVal val="#ppt_y"/>
+                                          </p:val>
+                                        </p:tav>
+                                      </p:tavLst>
+                                    </p:anim>
+                                  </p:childTnLst>
+                                </p:cTn>
+                              </p:par>
+                            </p:childTnLst>
+                          </p:cTn>
+                        </p:par>
+                      </p:childTnLst>
+                    </p:cTn>
+                  </p:par>
+                  <p:par>
+                    <p:cTn id="45" fill="hold">
+                      <p:stCondLst>
+                        <p:cond delay="indefinite"/>
+                      </p:stCondLst>
+                      <p:childTnLst>
+                        <p:par>
+                          <p:cTn id="46" fill="hold">
+                            <p:stCondLst>
+                              <p:cond delay="0"/>
+                            </p:stCondLst>
+                            <p:childTnLst>
+                              <p:par>
+                                <p:cTn id="47" presetID="2" presetClass="entr" presetSubtype="4" fill="hold" nodeType="clickEffect">
+                                  <p:stCondLst>
+                                    <p:cond delay="0"/>
+                                  </p:stCondLst>
+                                  <p:childTnLst>
+                                    <p:set>
+                                      <p:cBhvr>
+                                        <p:cTn id="48" dur="1" fill="hold">
+                                          <p:stCondLst>
+                                            <p:cond delay="0"/>
+                                          </p:stCondLst>
+                                        </p:cTn>
+                                        <p:tgtEl>
+                                          <p:spTgt spid="2">
+                                            <p:txEl>
+                                              <p:pRg st="8" end="8"/>
+                                            </p:txEl>
+                                          </p:spTgt>
+                                        </p:tgtEl>
+                                        <p:attrNameLst>
+                                          <p:attrName>style.visibility</p:attrName>
+                                        </p:attrNameLst>
+                                      </p:cBhvr>
+                                      <p:to>
+                                        <p:strVal val="visible"/>
+                                      </p:to>
+                                    </p:set>
+                                    <p:anim calcmode="lin" valueType="num">
+                                      <p:cBhvr additive="base">
+                                        <p:cTn id="49" dur="500" fill="hold"/>
+                                        <p:tgtEl>
+                                          <p:spTgt spid="2">
+                                            <p:txEl>
+                                              <p:pRg st="8" end="8"/>
+                                            </p:txEl>
+                                          </p:spTgt>
+                                        </p:tgtEl>
+                                        <p:attrNameLst>
+                                          <p:attrName>ppt_x</p:attrName>
+                                        </p:attrNameLst>
+                                      </p:cBhvr>
+                                      <p:tavLst>
+                                        <p:tav tm="0">
+                                          <p:val>
+                                            <p:strVal val="#ppt_x"/>
+                                          </p:val>
+                                        </p:tav>
+                                        <p:tav tm="100000">
+                                          <p:val>
+                                            <p:strVal val="#ppt_x"/>
+                                          </p:val>
+                                        </p:tav>
+                                      </p:tavLst>
+                                    </p:anim>
+                                    <p:anim calcmode="lin" valueType="num">
+                                      <p:cBhvr additive="base">
+                                        <p:cTn id="50" dur="500" fill="hold"/>
+                                        <p:tgtEl>
+                                          <p:spTgt spid="2">
+                                            <p:txEl>
+                                              <p:pRg st="8" end="8"/>
+                                            </p:txEl>
+                                          </p:spTgt>
+                                        </p:tgtEl>
+                                        <p:attrNameLst>
+                                          <p:attrName>ppt_y</p:attrName>
+                                        </p:attrNameLst>
+                                      </p:cBhvr>
+                                      <p:tavLst>
+                                        <p:tav tm="0">
+                                          <p:val>
+                                            <p:strVal val="1+#ppt_h/2"/>
+                                          </p:val>
+                                        </p:tav>
+                                        <p:tav tm="100000">
+                                          <p:val>
+                                            <p:strVal val="#ppt_y"/>
+                                          </p:val>
+                                        </p:tav>
+                                      </p:tavLst>
+                                    </p:anim>
+                                  </p:childTnLst>
+                                </p:cTn>
+                              </p:par>
+                            </p:childTnLst>
+                          </p:cTn>
+                        </p:par>
+                      </p:childTnLst>
+                    </p:cTn>
+                  </p:par>
                 </p:childTnLst>
               </p:cTn>
               <p:prevCondLst>
@@ -7897,73 +8180,9 @@
         <p:spPr/>
         <p:txBody>
           <a:bodyPr>
-            <a:normAutofit fontScale="85000" lnSpcReduction="20000"/>
+            <a:normAutofit/>
           </a:bodyPr>
           <a:lstStyle/>
-          <a:p>
-            <a:pPr lvl="1"/>
-            <a:r>
-              <a:rPr lang="zh-CN" altLang="en-US" dirty="0"/>
-              <a:t>多次循环是否对</a:t>
-            </a:r>
-            <a:r>
-              <a:rPr lang="zh-CN" altLang="en-US" dirty="0">
-                <a:solidFill>
-                  <a:srgbClr val="FF0000"/>
-                </a:solidFill>
-              </a:rPr>
-              <a:t>内存造成压力</a:t>
-            </a:r>
-            <a:endParaRPr lang="en-US" altLang="zh-CN" dirty="0">
-              <a:solidFill>
-                <a:srgbClr val="FF0000"/>
-              </a:solidFill>
-            </a:endParaRPr>
-          </a:p>
-          <a:p>
-            <a:pPr lvl="1"/>
-            <a:r>
-              <a:rPr lang="zh-CN" altLang="en-US" dirty="0"/>
-              <a:t>是否存在</a:t>
-            </a:r>
-            <a:r>
-              <a:rPr lang="en-US" altLang="zh-CN" dirty="0">
-                <a:latin typeface="Times New Roman" panose="02020603050405020304" pitchFamily="18" charset="0"/>
-                <a:cs typeface="Times New Roman" panose="02020603050405020304" pitchFamily="18" charset="0"/>
-              </a:rPr>
-              <a:t>continue</a:t>
-            </a:r>
-            <a:r>
-              <a:rPr lang="zh-CN" altLang="en-US" dirty="0">
-                <a:latin typeface="Times New Roman" panose="02020603050405020304" pitchFamily="18" charset="0"/>
-                <a:cs typeface="Times New Roman" panose="02020603050405020304" pitchFamily="18" charset="0"/>
-              </a:rPr>
-              <a:t>，</a:t>
-            </a:r>
-            <a:r>
-              <a:rPr lang="en-US" altLang="zh-CN" dirty="0">
-                <a:latin typeface="Times New Roman" panose="02020603050405020304" pitchFamily="18" charset="0"/>
-                <a:cs typeface="Times New Roman" panose="02020603050405020304" pitchFamily="18" charset="0"/>
-              </a:rPr>
-              <a:t>break</a:t>
-            </a:r>
-            <a:r>
-              <a:rPr lang="zh-CN" altLang="en-US" dirty="0"/>
-              <a:t>语句，导致某些</a:t>
-            </a:r>
-            <a:r>
-              <a:rPr lang="zh-CN" altLang="en-US" dirty="0">
-                <a:solidFill>
-                  <a:srgbClr val="FF0000"/>
-                </a:solidFill>
-              </a:rPr>
-              <a:t>循环过程中强制跳过部分语句不执行</a:t>
-            </a:r>
-            <a:r>
-              <a:rPr lang="zh-CN" altLang="en-US" dirty="0"/>
-              <a:t>，从而注入代码质量风险</a:t>
-            </a:r>
-          </a:p>
           <a:p>
             <a:r>
               <a:rPr lang="zh-CN" altLang="en-US" dirty="0" smtClean="0"/>
@@ -8443,212 +8662,6 @@
                                           <p:spTgt spid="2">
                                             <p:txEl>
                                               <p:pRg st="3" end="3"/>
-                                            </p:txEl>
-                                          </p:spTgt>
-                                        </p:tgtEl>
-                                        <p:attrNameLst>
-                                          <p:attrName>ppt_y</p:attrName>
-                                        </p:attrNameLst>
-                                      </p:cBhvr>
-                                      <p:tavLst>
-                                        <p:tav tm="0">
-                                          <p:val>
-                                            <p:strVal val="1+#ppt_h/2"/>
-                                          </p:val>
-                                        </p:tav>
-                                        <p:tav tm="100000">
-                                          <p:val>
-                                            <p:strVal val="#ppt_y"/>
-                                          </p:val>
-                                        </p:tav>
-                                      </p:tavLst>
-                                    </p:anim>
-                                  </p:childTnLst>
-                                </p:cTn>
-                              </p:par>
-                            </p:childTnLst>
-                          </p:cTn>
-                        </p:par>
-                      </p:childTnLst>
-                    </p:cTn>
-                  </p:par>
-                  <p:par>
-                    <p:cTn id="27" fill="hold">
-                      <p:stCondLst>
-                        <p:cond delay="indefinite"/>
-                      </p:stCondLst>
-                      <p:childTnLst>
-                        <p:par>
-                          <p:cTn id="28" fill="hold">
-                            <p:stCondLst>
-                              <p:cond delay="0"/>
-                            </p:stCondLst>
-                            <p:childTnLst>
-                              <p:par>
-                                <p:cTn id="29" presetID="2" presetClass="entr" presetSubtype="4" fill="hold" nodeType="clickEffect">
-                                  <p:stCondLst>
-                                    <p:cond delay="0"/>
-                                  </p:stCondLst>
-                                  <p:childTnLst>
-                                    <p:set>
-                                      <p:cBhvr>
-                                        <p:cTn id="30" dur="1" fill="hold">
-                                          <p:stCondLst>
-                                            <p:cond delay="0"/>
-                                          </p:stCondLst>
-                                        </p:cTn>
-                                        <p:tgtEl>
-                                          <p:spTgt spid="2">
-                                            <p:txEl>
-                                              <p:pRg st="4" end="4"/>
-                                            </p:txEl>
-                                          </p:spTgt>
-                                        </p:tgtEl>
-                                        <p:attrNameLst>
-                                          <p:attrName>style.visibility</p:attrName>
-                                        </p:attrNameLst>
-                                      </p:cBhvr>
-                                      <p:to>
-                                        <p:strVal val="visible"/>
-                                      </p:to>
-                                    </p:set>
-                                    <p:anim calcmode="lin" valueType="num">
-                                      <p:cBhvr additive="base">
-                                        <p:cTn id="31" dur="500" fill="hold"/>
-                                        <p:tgtEl>
-                                          <p:spTgt spid="2">
-                                            <p:txEl>
-                                              <p:pRg st="4" end="4"/>
-                                            </p:txEl>
-                                          </p:spTgt>
-                                        </p:tgtEl>
-                                        <p:attrNameLst>
-                                          <p:attrName>ppt_x</p:attrName>
-                                        </p:attrNameLst>
-                                      </p:cBhvr>
-                                      <p:tavLst>
-                                        <p:tav tm="0">
-                                          <p:val>
-                                            <p:strVal val="#ppt_x"/>
-                                          </p:val>
-                                        </p:tav>
-                                        <p:tav tm="100000">
-                                          <p:val>
-                                            <p:strVal val="#ppt_x"/>
-                                          </p:val>
-                                        </p:tav>
-                                      </p:tavLst>
-                                    </p:anim>
-                                    <p:anim calcmode="lin" valueType="num">
-                                      <p:cBhvr additive="base">
-                                        <p:cTn id="32" dur="500" fill="hold"/>
-                                        <p:tgtEl>
-                                          <p:spTgt spid="2">
-                                            <p:txEl>
-                                              <p:pRg st="4" end="4"/>
-                                            </p:txEl>
-                                          </p:spTgt>
-                                        </p:tgtEl>
-                                        <p:attrNameLst>
-                                          <p:attrName>ppt_y</p:attrName>
-                                        </p:attrNameLst>
-                                      </p:cBhvr>
-                                      <p:tavLst>
-                                        <p:tav tm="0">
-                                          <p:val>
-                                            <p:strVal val="1+#ppt_h/2"/>
-                                          </p:val>
-                                        </p:tav>
-                                        <p:tav tm="100000">
-                                          <p:val>
-                                            <p:strVal val="#ppt_y"/>
-                                          </p:val>
-                                        </p:tav>
-                                      </p:tavLst>
-                                    </p:anim>
-                                  </p:childTnLst>
-                                </p:cTn>
-                              </p:par>
-                            </p:childTnLst>
-                          </p:cTn>
-                        </p:par>
-                      </p:childTnLst>
-                    </p:cTn>
-                  </p:par>
-                  <p:par>
-                    <p:cTn id="33" fill="hold">
-                      <p:stCondLst>
-                        <p:cond delay="indefinite"/>
-                      </p:stCondLst>
-                      <p:childTnLst>
-                        <p:par>
-                          <p:cTn id="34" fill="hold">
-                            <p:stCondLst>
-                              <p:cond delay="0"/>
-                            </p:stCondLst>
-                            <p:childTnLst>
-                              <p:par>
-                                <p:cTn id="35" presetID="2" presetClass="entr" presetSubtype="4" fill="hold" nodeType="clickEffect">
-                                  <p:stCondLst>
-                                    <p:cond delay="0"/>
-                                  </p:stCondLst>
-                                  <p:childTnLst>
-                                    <p:set>
-                                      <p:cBhvr>
-                                        <p:cTn id="36" dur="1" fill="hold">
-                                          <p:stCondLst>
-                                            <p:cond delay="0"/>
-                                          </p:stCondLst>
-                                        </p:cTn>
-                                        <p:tgtEl>
-                                          <p:spTgt spid="2">
-                                            <p:txEl>
-                                              <p:pRg st="5" end="5"/>
-                                            </p:txEl>
-                                          </p:spTgt>
-                                        </p:tgtEl>
-                                        <p:attrNameLst>
-                                          <p:attrName>style.visibility</p:attrName>
-                                        </p:attrNameLst>
-                                      </p:cBhvr>
-                                      <p:to>
-                                        <p:strVal val="visible"/>
-                                      </p:to>
-                                    </p:set>
-                                    <p:anim calcmode="lin" valueType="num">
-                                      <p:cBhvr additive="base">
-                                        <p:cTn id="37" dur="500" fill="hold"/>
-                                        <p:tgtEl>
-                                          <p:spTgt spid="2">
-                                            <p:txEl>
-                                              <p:pRg st="5" end="5"/>
-                                            </p:txEl>
-                                          </p:spTgt>
-                                        </p:tgtEl>
-                                        <p:attrNameLst>
-                                          <p:attrName>ppt_x</p:attrName>
-                                        </p:attrNameLst>
-                                      </p:cBhvr>
-                                      <p:tavLst>
-                                        <p:tav tm="0">
-                                          <p:val>
-                                            <p:strVal val="#ppt_x"/>
-                                          </p:val>
-                                        </p:tav>
-                                        <p:tav tm="100000">
-                                          <p:val>
-                                            <p:strVal val="#ppt_x"/>
-                                          </p:val>
-                                        </p:tav>
-                                      </p:tavLst>
-                                    </p:anim>
-                                    <p:anim calcmode="lin" valueType="num">
-                                      <p:cBhvr additive="base">
-                                        <p:cTn id="38" dur="500" fill="hold"/>
-                                        <p:tgtEl>
-                                          <p:spTgt spid="2">
-                                            <p:txEl>
-                                              <p:pRg st="5" end="5"/>
                                             </p:txEl>
                                           </p:spTgt>
                                         </p:tgtEl>
@@ -14698,10 +14711,6 @@
               </a:rPr>
               <a:t>循环的嵌套</a:t>
             </a:r>
-            <a:endParaRPr lang="zh-CN" altLang="en-US" dirty="0">
-              <a:latin typeface="华文楷体" panose="02010600040101010101" pitchFamily="2" charset="-122"/>
-              <a:ea typeface="楷体" panose="02010609060101010101" pitchFamily="49" charset="-122"/>
-            </a:endParaRPr>
           </a:p>
         </p:txBody>
       </p:sp>
@@ -14960,10 +14969,6 @@
               </a:rPr>
               <a:t>非结构化设计</a:t>
             </a:r>
-            <a:endParaRPr lang="zh-CN" altLang="en-US" dirty="0">
-              <a:latin typeface="华文楷体" panose="02010600040101010101" pitchFamily="2" charset="-122"/>
-              <a:ea typeface="楷体" panose="02010609060101010101" pitchFamily="49" charset="-122"/>
-            </a:endParaRPr>
           </a:p>
         </p:txBody>
       </p:sp>
